--- a/Batch-03/Proff Lecture Material/2. INTRODUCTION TO AWS.pptx
+++ b/Batch-03/Proff Lecture Material/2. INTRODUCTION TO AWS.pptx
@@ -5,15 +5,16 @@
     <p:sldMasterId id="2147483660" r:id="rId1"/>
   </p:sldMasterIdLst>
   <p:notesMasterIdLst>
-    <p:notesMasterId r:id="rId8"/>
+    <p:notesMasterId r:id="rId9"/>
   </p:notesMasterIdLst>
   <p:sldIdLst>
     <p:sldId id="256" r:id="rId2"/>
     <p:sldId id="260" r:id="rId3"/>
-    <p:sldId id="261" r:id="rId4"/>
-    <p:sldId id="264" r:id="rId5"/>
-    <p:sldId id="262" r:id="rId6"/>
-    <p:sldId id="263" r:id="rId7"/>
+    <p:sldId id="265" r:id="rId4"/>
+    <p:sldId id="261" r:id="rId5"/>
+    <p:sldId id="264" r:id="rId6"/>
+    <p:sldId id="262" r:id="rId7"/>
+    <p:sldId id="263" r:id="rId8"/>
   </p:sldIdLst>
   <p:sldSz cx="9144000" cy="6858000" type="screen4x3"/>
   <p:notesSz cx="6858000" cy="9144000"/>
@@ -213,7 +214,7 @@
           <a:p>
             <a:fld id="{91A00CD1-1069-498C-ABC9-89BBA60B1D41}" type="datetimeFigureOut">
               <a:rPr lang="en-US" smtClean="0"/>
-              <a:t>7/6/2020</a:t>
+              <a:t>8/17/2020</a:t>
             </a:fld>
             <a:endParaRPr lang="en-US"/>
           </a:p>
@@ -545,7 +546,7 @@
           <a:p>
             <a:fld id="{E74F2C4E-4A23-45E1-97E9-8A7FC415DBB2}" type="slidenum">
               <a:rPr lang="en-US" smtClean="0"/>
-              <a:t>6</a:t>
+              <a:t>7</a:t>
             </a:fld>
             <a:endParaRPr lang="en-US"/>
           </a:p>
@@ -736,7 +737,7 @@
             <a:fld id="{A27CFB8F-DFCD-4008-9245-A892E2BE0164}" type="datetimeFigureOut">
               <a:rPr lang="en-US" smtClean="0"/>
               <a:pPr/>
-              <a:t>7/6/2020</a:t>
+              <a:t>8/17/2020</a:t>
             </a:fld>
             <a:endParaRPr lang="en-US"/>
           </a:p>
@@ -902,7 +903,7 @@
             <a:fld id="{A27CFB8F-DFCD-4008-9245-A892E2BE0164}" type="datetimeFigureOut">
               <a:rPr lang="en-US" smtClean="0"/>
               <a:pPr/>
-              <a:t>7/6/2020</a:t>
+              <a:t>8/17/2020</a:t>
             </a:fld>
             <a:endParaRPr lang="en-US"/>
           </a:p>
@@ -1078,7 +1079,7 @@
             <a:fld id="{A27CFB8F-DFCD-4008-9245-A892E2BE0164}" type="datetimeFigureOut">
               <a:rPr lang="en-US" smtClean="0"/>
               <a:pPr/>
-              <a:t>7/6/2020</a:t>
+              <a:t>8/17/2020</a:t>
             </a:fld>
             <a:endParaRPr lang="en-US"/>
           </a:p>
@@ -1244,7 +1245,7 @@
             <a:fld id="{A27CFB8F-DFCD-4008-9245-A892E2BE0164}" type="datetimeFigureOut">
               <a:rPr lang="en-US" smtClean="0"/>
               <a:pPr/>
-              <a:t>7/6/2020</a:t>
+              <a:t>8/17/2020</a:t>
             </a:fld>
             <a:endParaRPr lang="en-US"/>
           </a:p>
@@ -1487,7 +1488,7 @@
             <a:fld id="{A27CFB8F-DFCD-4008-9245-A892E2BE0164}" type="datetimeFigureOut">
               <a:rPr lang="en-US" smtClean="0"/>
               <a:pPr/>
-              <a:t>7/6/2020</a:t>
+              <a:t>8/17/2020</a:t>
             </a:fld>
             <a:endParaRPr lang="en-US"/>
           </a:p>
@@ -1752,7 +1753,7 @@
             <a:fld id="{A27CFB8F-DFCD-4008-9245-A892E2BE0164}" type="datetimeFigureOut">
               <a:rPr lang="en-US" smtClean="0"/>
               <a:pPr/>
-              <a:t>7/6/2020</a:t>
+              <a:t>8/17/2020</a:t>
             </a:fld>
             <a:endParaRPr lang="en-US"/>
           </a:p>
@@ -2131,7 +2132,7 @@
             <a:fld id="{A27CFB8F-DFCD-4008-9245-A892E2BE0164}" type="datetimeFigureOut">
               <a:rPr lang="en-US" smtClean="0"/>
               <a:pPr/>
-              <a:t>7/6/2020</a:t>
+              <a:t>8/17/2020</a:t>
             </a:fld>
             <a:endParaRPr lang="en-US"/>
           </a:p>
@@ -2282,7 +2283,7 @@
             <a:fld id="{A27CFB8F-DFCD-4008-9245-A892E2BE0164}" type="datetimeFigureOut">
               <a:rPr lang="en-US" smtClean="0"/>
               <a:pPr/>
-              <a:t>7/6/2020</a:t>
+              <a:t>8/17/2020</a:t>
             </a:fld>
             <a:endParaRPr lang="en-US"/>
           </a:p>
@@ -2374,7 +2375,7 @@
             <a:fld id="{A27CFB8F-DFCD-4008-9245-A892E2BE0164}" type="datetimeFigureOut">
               <a:rPr lang="en-US" smtClean="0"/>
               <a:pPr/>
-              <a:t>7/6/2020</a:t>
+              <a:t>8/17/2020</a:t>
             </a:fld>
             <a:endParaRPr lang="en-US"/>
           </a:p>
@@ -2636,7 +2637,7 @@
             <a:fld id="{A27CFB8F-DFCD-4008-9245-A892E2BE0164}" type="datetimeFigureOut">
               <a:rPr lang="en-US" smtClean="0"/>
               <a:pPr/>
-              <a:t>7/6/2020</a:t>
+              <a:t>8/17/2020</a:t>
             </a:fld>
             <a:endParaRPr lang="en-US"/>
           </a:p>
@@ -2925,7 +2926,7 @@
             <a:fld id="{A27CFB8F-DFCD-4008-9245-A892E2BE0164}" type="datetimeFigureOut">
               <a:rPr lang="en-US" smtClean="0"/>
               <a:pPr/>
-              <a:t>7/6/2020</a:t>
+              <a:t>8/17/2020</a:t>
             </a:fld>
             <a:endParaRPr lang="en-US"/>
           </a:p>
@@ -3696,7 +3697,7 @@
             <a:fld id="{A27CFB8F-DFCD-4008-9245-A892E2BE0164}" type="datetimeFigureOut">
               <a:rPr lang="en-US" smtClean="0"/>
               <a:pPr/>
-              <a:t>7/6/2020</a:t>
+              <a:t>8/17/2020</a:t>
             </a:fld>
             <a:endParaRPr lang="en-US"/>
           </a:p>
@@ -4469,6 +4470,166 @@
       </p:grpSpPr>
       <p:sp>
         <p:nvSpPr>
+          <p:cNvPr id="8" name="Title 1">
+            <a:extLst>
+              <a:ext uri="{FF2B5EF4-FFF2-40B4-BE49-F238E27FC236}">
+                <a16:creationId xmlns:a16="http://schemas.microsoft.com/office/drawing/2014/main" id="{96FC7978-F270-4084-ADC8-FCA87A33932A}"/>
+              </a:ext>
+            </a:extLst>
+          </p:cNvPr>
+          <p:cNvSpPr>
+            <a:spLocks noGrp="1"/>
+          </p:cNvSpPr>
+          <p:nvPr>
+            <p:ph type="title"/>
+          </p:nvPr>
+        </p:nvSpPr>
+        <p:spPr>
+          <a:xfrm>
+            <a:off x="457200" y="990600"/>
+            <a:ext cx="8229600" cy="1143000"/>
+          </a:xfrm>
+        </p:spPr>
+        <p:txBody>
+          <a:bodyPr>
+            <a:normAutofit fontScale="90000"/>
+          </a:bodyPr>
+          <a:lstStyle/>
+          <a:p>
+            <a:pPr algn="ctr"/>
+            <a:r>
+              <a:rPr lang="en-US" b="1" dirty="0"/>
+              <a:t>Five Pillars of</a:t>
+            </a:r>
+            <a:br>
+              <a:rPr lang="en-US" b="1" dirty="0"/>
+            </a:br>
+            <a:r>
+              <a:rPr lang="en-US" b="1" dirty="0"/>
+              <a:t>Well Architect Solutions in AWS</a:t>
+            </a:r>
+          </a:p>
+        </p:txBody>
+      </p:sp>
+      <p:sp>
+        <p:nvSpPr>
+          <p:cNvPr id="9" name="Content Placeholder 2">
+            <a:extLst>
+              <a:ext uri="{FF2B5EF4-FFF2-40B4-BE49-F238E27FC236}">
+                <a16:creationId xmlns:a16="http://schemas.microsoft.com/office/drawing/2014/main" id="{C23578F9-3EB8-433E-97ED-2C01A2412A5F}"/>
+              </a:ext>
+            </a:extLst>
+          </p:cNvPr>
+          <p:cNvSpPr>
+            <a:spLocks noGrp="1"/>
+          </p:cNvSpPr>
+          <p:nvPr>
+            <p:ph idx="1"/>
+          </p:nvPr>
+        </p:nvSpPr>
+        <p:spPr>
+          <a:xfrm>
+            <a:off x="457200" y="1828800"/>
+            <a:ext cx="8686800" cy="5029200"/>
+          </a:xfrm>
+        </p:spPr>
+        <p:txBody>
+          <a:bodyPr>
+            <a:noAutofit/>
+          </a:bodyPr>
+          <a:lstStyle/>
+          <a:p>
+            <a:pPr>
+              <a:lnSpc>
+                <a:spcPct val="300000"/>
+              </a:lnSpc>
+            </a:pPr>
+            <a:r>
+              <a:rPr lang="en-US" sz="2000" b="1" dirty="0"/>
+              <a:t>Operational Excellence</a:t>
+            </a:r>
+          </a:p>
+          <a:p>
+            <a:pPr>
+              <a:lnSpc>
+                <a:spcPct val="300000"/>
+              </a:lnSpc>
+            </a:pPr>
+            <a:r>
+              <a:rPr lang="en-US" sz="2000" b="1" dirty="0"/>
+              <a:t>Security</a:t>
+            </a:r>
+          </a:p>
+          <a:p>
+            <a:pPr>
+              <a:lnSpc>
+                <a:spcPct val="300000"/>
+              </a:lnSpc>
+            </a:pPr>
+            <a:r>
+              <a:rPr lang="en-US" sz="2000" b="1" dirty="0"/>
+              <a:t>Reliability</a:t>
+            </a:r>
+          </a:p>
+          <a:p>
+            <a:pPr>
+              <a:lnSpc>
+                <a:spcPct val="300000"/>
+              </a:lnSpc>
+            </a:pPr>
+            <a:r>
+              <a:rPr lang="en-US" sz="2000" b="1" dirty="0"/>
+              <a:t> Performance</a:t>
+            </a:r>
+          </a:p>
+          <a:p>
+            <a:pPr>
+              <a:lnSpc>
+                <a:spcPct val="300000"/>
+              </a:lnSpc>
+            </a:pPr>
+            <a:r>
+              <a:rPr lang="en-US" sz="2000" b="1" dirty="0"/>
+              <a:t>Cost Optimization</a:t>
+            </a:r>
+          </a:p>
+          <a:p>
+            <a:endParaRPr lang="en-US" sz="2000" dirty="0"/>
+          </a:p>
+        </p:txBody>
+      </p:sp>
+    </p:spTree>
+    <p:extLst>
+      <p:ext uri="{BB962C8B-B14F-4D97-AF65-F5344CB8AC3E}">
+        <p14:creationId xmlns:p14="http://schemas.microsoft.com/office/powerpoint/2010/main" val="3422320824"/>
+      </p:ext>
+    </p:extLst>
+  </p:cSld>
+  <p:clrMapOvr>
+    <a:masterClrMapping/>
+  </p:clrMapOvr>
+</p:sld>
+</file>
+
+<file path=ppt/slides/slide4.xml><?xml version="1.0" encoding="utf-8"?>
+<p:sld xmlns:a="http://schemas.openxmlformats.org/drawingml/2006/main" xmlns:r="http://schemas.openxmlformats.org/officeDocument/2006/relationships" xmlns:p="http://schemas.openxmlformats.org/presentationml/2006/main">
+  <p:cSld>
+    <p:spTree>
+      <p:nvGrpSpPr>
+        <p:cNvPr id="1" name=""/>
+        <p:cNvGrpSpPr/>
+        <p:nvPr/>
+      </p:nvGrpSpPr>
+      <p:grpSpPr>
+        <a:xfrm>
+          <a:off x="0" y="0"/>
+          <a:ext cx="0" cy="0"/>
+          <a:chOff x="0" y="0"/>
+          <a:chExt cx="0" cy="0"/>
+        </a:xfrm>
+      </p:grpSpPr>
+      <p:sp>
+        <p:nvSpPr>
           <p:cNvPr id="2" name="Title 1"/>
           <p:cNvSpPr>
             <a:spLocks noGrp="1"/>
@@ -4539,7 +4700,7 @@
 </p:sld>
 </file>
 
-<file path=ppt/slides/slide4.xml><?xml version="1.0" encoding="utf-8"?>
+<file path=ppt/slides/slide5.xml><?xml version="1.0" encoding="utf-8"?>
 <p:sld xmlns:a="http://schemas.openxmlformats.org/drawingml/2006/main" xmlns:r="http://schemas.openxmlformats.org/officeDocument/2006/relationships" xmlns:p="http://schemas.openxmlformats.org/presentationml/2006/main">
   <p:cSld>
     <p:spTree>
@@ -4625,7 +4786,7 @@
 </p:sld>
 </file>
 
-<file path=ppt/slides/slide5.xml><?xml version="1.0" encoding="utf-8"?>
+<file path=ppt/slides/slide6.xml><?xml version="1.0" encoding="utf-8"?>
 <p:sld xmlns:a="http://schemas.openxmlformats.org/drawingml/2006/main" xmlns:r="http://schemas.openxmlformats.org/officeDocument/2006/relationships" xmlns:p="http://schemas.openxmlformats.org/presentationml/2006/main">
   <p:cSld>
     <p:spTree>
@@ -4737,7 +4898,7 @@
 </p:sld>
 </file>
 
-<file path=ppt/slides/slide6.xml><?xml version="1.0" encoding="utf-8"?>
+<file path=ppt/slides/slide7.xml><?xml version="1.0" encoding="utf-8"?>
 <p:sld xmlns:a="http://schemas.openxmlformats.org/drawingml/2006/main" xmlns:r="http://schemas.openxmlformats.org/officeDocument/2006/relationships" xmlns:p="http://schemas.openxmlformats.org/presentationml/2006/main">
   <p:cSld>
     <p:spTree>
